--- a/Semestre_01/01_Bases/Cours/images/Figures.pptx
+++ b/Semestre_01/01_Bases/Cours/images/Figures.pptx
@@ -271,7 +271,7 @@
           <a:p>
             <a:fld id="{62921657-1ADC-4442-8AD8-476082667964}" type="datetimeFigureOut">
               <a:rPr lang="fr-FR" smtClean="0"/>
-              <a:t>15/06/2022</a:t>
+              <a:t>31/08/2022</a:t>
             </a:fld>
             <a:endParaRPr lang="fr-FR"/>
           </a:p>
@@ -469,7 +469,7 @@
           <a:p>
             <a:fld id="{62921657-1ADC-4442-8AD8-476082667964}" type="datetimeFigureOut">
               <a:rPr lang="fr-FR" smtClean="0"/>
-              <a:t>15/06/2022</a:t>
+              <a:t>31/08/2022</a:t>
             </a:fld>
             <a:endParaRPr lang="fr-FR"/>
           </a:p>
@@ -677,7 +677,7 @@
           <a:p>
             <a:fld id="{62921657-1ADC-4442-8AD8-476082667964}" type="datetimeFigureOut">
               <a:rPr lang="fr-FR" smtClean="0"/>
-              <a:t>15/06/2022</a:t>
+              <a:t>31/08/2022</a:t>
             </a:fld>
             <a:endParaRPr lang="fr-FR"/>
           </a:p>
@@ -875,7 +875,7 @@
           <a:p>
             <a:fld id="{62921657-1ADC-4442-8AD8-476082667964}" type="datetimeFigureOut">
               <a:rPr lang="fr-FR" smtClean="0"/>
-              <a:t>15/06/2022</a:t>
+              <a:t>31/08/2022</a:t>
             </a:fld>
             <a:endParaRPr lang="fr-FR"/>
           </a:p>
@@ -1150,7 +1150,7 @@
           <a:p>
             <a:fld id="{62921657-1ADC-4442-8AD8-476082667964}" type="datetimeFigureOut">
               <a:rPr lang="fr-FR" smtClean="0"/>
-              <a:t>15/06/2022</a:t>
+              <a:t>31/08/2022</a:t>
             </a:fld>
             <a:endParaRPr lang="fr-FR"/>
           </a:p>
@@ -1415,7 +1415,7 @@
           <a:p>
             <a:fld id="{62921657-1ADC-4442-8AD8-476082667964}" type="datetimeFigureOut">
               <a:rPr lang="fr-FR" smtClean="0"/>
-              <a:t>15/06/2022</a:t>
+              <a:t>31/08/2022</a:t>
             </a:fld>
             <a:endParaRPr lang="fr-FR"/>
           </a:p>
@@ -1827,7 +1827,7 @@
           <a:p>
             <a:fld id="{62921657-1ADC-4442-8AD8-476082667964}" type="datetimeFigureOut">
               <a:rPr lang="fr-FR" smtClean="0"/>
-              <a:t>15/06/2022</a:t>
+              <a:t>31/08/2022</a:t>
             </a:fld>
             <a:endParaRPr lang="fr-FR"/>
           </a:p>
@@ -1968,7 +1968,7 @@
           <a:p>
             <a:fld id="{62921657-1ADC-4442-8AD8-476082667964}" type="datetimeFigureOut">
               <a:rPr lang="fr-FR" smtClean="0"/>
-              <a:t>15/06/2022</a:t>
+              <a:t>31/08/2022</a:t>
             </a:fld>
             <a:endParaRPr lang="fr-FR"/>
           </a:p>
@@ -2081,7 +2081,7 @@
           <a:p>
             <a:fld id="{62921657-1ADC-4442-8AD8-476082667964}" type="datetimeFigureOut">
               <a:rPr lang="fr-FR" smtClean="0"/>
-              <a:t>15/06/2022</a:t>
+              <a:t>31/08/2022</a:t>
             </a:fld>
             <a:endParaRPr lang="fr-FR"/>
           </a:p>
@@ -2392,7 +2392,7 @@
           <a:p>
             <a:fld id="{62921657-1ADC-4442-8AD8-476082667964}" type="datetimeFigureOut">
               <a:rPr lang="fr-FR" smtClean="0"/>
-              <a:t>15/06/2022</a:t>
+              <a:t>31/08/2022</a:t>
             </a:fld>
             <a:endParaRPr lang="fr-FR"/>
           </a:p>
@@ -2680,7 +2680,7 @@
           <a:p>
             <a:fld id="{62921657-1ADC-4442-8AD8-476082667964}" type="datetimeFigureOut">
               <a:rPr lang="fr-FR" smtClean="0"/>
-              <a:t>15/06/2022</a:t>
+              <a:t>31/08/2022</a:t>
             </a:fld>
             <a:endParaRPr lang="fr-FR"/>
           </a:p>
@@ -2921,7 +2921,7 @@
           <a:p>
             <a:fld id="{62921657-1ADC-4442-8AD8-476082667964}" type="datetimeFigureOut">
               <a:rPr lang="fr-FR" smtClean="0"/>
-              <a:t>15/06/2022</a:t>
+              <a:t>31/08/2022</a:t>
             </a:fld>
             <a:endParaRPr lang="fr-FR"/>
           </a:p>
@@ -3946,6 +3946,42 @@
           </a:p>
         </p:txBody>
       </p:sp>
+      <p:sp>
+        <p:nvSpPr>
+          <p:cNvPr id="2" name="ZoneTexte 1">
+            <a:extLst>
+              <a:ext uri="{FF2B5EF4-FFF2-40B4-BE49-F238E27FC236}">
+                <a16:creationId xmlns:a16="http://schemas.microsoft.com/office/drawing/2014/main" id="{104A9DDC-5E73-B1D7-1C68-D28A9C6BE3BF}"/>
+              </a:ext>
+            </a:extLst>
+          </p:cNvPr>
+          <p:cNvSpPr txBox="1"/>
+          <p:nvPr/>
+        </p:nvSpPr>
+        <p:spPr>
+          <a:xfrm>
+            <a:off x="6438075" y="5705855"/>
+            <a:ext cx="3160060" cy="369332"/>
+          </a:xfrm>
+          <a:prstGeom prst="rect">
+            <a:avLst/>
+          </a:prstGeom>
+          <a:noFill/>
+        </p:spPr>
+        <p:txBody>
+          <a:bodyPr wrap="square" rtlCol="0">
+            <a:spAutoFit/>
+          </a:bodyPr>
+          <a:lstStyle/>
+          <a:p>
+            <a:pPr algn="ctr"/>
+            <a:r>
+              <a:rPr lang="fr-FR" dirty="0"/>
+              <a:t>Shell</a:t>
+            </a:r>
+          </a:p>
+        </p:txBody>
+      </p:sp>
     </p:spTree>
     <p:extLst>
       <p:ext uri="{BB962C8B-B14F-4D97-AF65-F5344CB8AC3E}">
